--- a/2018-秋/4.1/文本情感分析简介.pptx
+++ b/2018-秋/4.1/文本情感分析简介.pptx
@@ -139,6 +139,11 @@
       </a:defRPr>
     </a:lvl9pPr>
   </p:defaultTextStyle>
+  <p:extLst>
+    <p:ext uri="{EFAFB233-063F-42B5-8137-9DF3F51BA10A}">
+      <p15:sldGuideLst xmlns:p15="http://schemas.microsoft.com/office/powerpoint/2012/main"/>
+    </p:ext>
+  </p:extLst>
 </p:presentation>
 </file>
 
@@ -4660,7 +4665,19 @@
               <a:rPr lang="zh-CN" altLang="zh-CN" dirty="0">
                 <a:ea typeface="Open Sans"/>
               </a:rPr>
-              <a:t>(苹果手机, 摄像功能, 负面, 张三, 2015年4月).</a:t>
+              <a:t>(苹果手机, </a:t>
+            </a:r>
+            <a:r>
+              <a:rPr lang="zh-CN" altLang="en-US" dirty="0">
+                <a:ea typeface="Open Sans"/>
+              </a:rPr>
+              <a:t>电池</a:t>
+            </a:r>
+            <a:r>
+              <a:rPr lang="zh-CN" altLang="zh-CN" dirty="0">
+                <a:ea typeface="Open Sans"/>
+              </a:rPr>
+              <a:t>功能, 负面, 张三, 2015年4月).</a:t>
             </a:r>
           </a:p>
         </p:txBody>
@@ -4818,7 +4835,7 @@
               <a:rPr lang="zh-CN" altLang="en-US" sz="3200" dirty="0">
                 <a:latin typeface="Euclid" panose="02020503060505020303" pitchFamily="18" charset="0"/>
               </a:rPr>
-              <a:t>文档级情感分析（</a:t>
+              <a:t>文档级情感分类（</a:t>
             </a:r>
             <a:r>
               <a:rPr lang="en-US" altLang="zh-CN" sz="3200" dirty="0">
@@ -5147,7 +5164,7 @@
               <a:rPr lang="zh-CN" altLang="en-US" sz="3200" dirty="0">
                 <a:latin typeface="Euclid" panose="02020503060505020303" pitchFamily="18" charset="0"/>
               </a:rPr>
-              <a:t>句子级情感分析（</a:t>
+              <a:t>句子级情感分类（</a:t>
             </a:r>
             <a:r>
               <a:rPr lang="en-US" altLang="zh-CN" sz="3200" dirty="0">
@@ -5593,7 +5610,7 @@
               <a:rPr lang="zh-CN" altLang="en-US" sz="3200" dirty="0">
                 <a:latin typeface="Euclid" panose="02020503060505020303" pitchFamily="18" charset="0"/>
               </a:rPr>
-              <a:t>句子级情感分析（</a:t>
+              <a:t>句子级情感分类（</a:t>
             </a:r>
             <a:r>
               <a:rPr lang="en-US" altLang="zh-CN" sz="3200" dirty="0">
@@ -5918,7 +5935,7 @@
               <a:rPr lang="zh-CN" altLang="en-US" sz="3200" dirty="0">
                 <a:latin typeface="Euclid" panose="02020503060505020303" pitchFamily="18" charset="0"/>
               </a:rPr>
-              <a:t>属性级情感分析（</a:t>
+              <a:t>属性级情感分类（</a:t>
             </a:r>
             <a:r>
               <a:rPr lang="en-US" altLang="zh-CN" sz="3200" dirty="0">
@@ -6369,7 +6386,7 @@
               <a:rPr lang="zh-CN" altLang="en-US" sz="2000" dirty="0">
                 <a:latin typeface="Euclid" panose="02020503060505020303" pitchFamily="18" charset="0"/>
               </a:rPr>
-              <a:t>属性级情感分析属于细粒度情感分析的一种。此外，这里的粒度还可以指情感的粒度。如普拉契克提出的“情绪论”模型。</a:t>
+              <a:t>属性级情感分析属于细粒度情感分析的一种。此外，这里的粒度还可以指情感的粒度。如普拉契克提出的“情绪轮”模型。</a:t>
             </a:r>
           </a:p>
         </p:txBody>
@@ -8118,7 +8135,19 @@
               <a:rPr lang="zh-CN" altLang="en-US" sz="2000" dirty="0">
                 <a:latin typeface="Euclid" panose="02020503060505020303" pitchFamily="18" charset="0"/>
               </a:rPr>
-              <a:t>连接的两个形容词具有相反的倾向。如句子“这披萨真好吃而且品相好看”，这句话是不符合语言习惯的。</a:t>
+              <a:t>连接的两个形容词具有相反的倾向。如句子“这披萨真难吃而且品相好看</a:t>
+            </a:r>
+            <a:r>
+              <a:rPr lang="zh-CN" altLang="en-US" sz="2000">
+                <a:latin typeface="Euclid" panose="02020503060505020303" pitchFamily="18" charset="0"/>
+              </a:rPr>
+              <a:t>”，是</a:t>
+            </a:r>
+            <a:r>
+              <a:rPr lang="zh-CN" altLang="en-US" sz="2000" dirty="0">
+                <a:latin typeface="Euclid" panose="02020503060505020303" pitchFamily="18" charset="0"/>
+              </a:rPr>
+              <a:t>不符合语言习惯的。</a:t>
             </a:r>
             <a:endParaRPr lang="en-US" altLang="zh-CN" sz="2000" dirty="0">
               <a:latin typeface="Euclid" panose="02020503060505020303" pitchFamily="18" charset="0"/>
@@ -8319,8 +8348,8 @@
           </a:p>
         </p:txBody>
       </p:sp>
-      <mc:AlternateContent xmlns:mc="http://schemas.openxmlformats.org/markup-compatibility/2006">
-        <mc:Choice xmlns:a14="http://schemas.microsoft.com/office/drawing/2010/main" Requires="a14">
+      <mc:AlternateContent xmlns:mc="http://schemas.openxmlformats.org/markup-compatibility/2006" xmlns:a14="http://schemas.microsoft.com/office/drawing/2010/main">
+        <mc:Choice Requires="a14">
           <p:sp>
             <p:nvSpPr>
               <p:cNvPr id="6" name="文本框 5">
@@ -8540,7 +8569,7 @@
                         <m:d>
                           <m:dPr>
                             <m:ctrlPr>
-                              <a:rPr lang="en-US" altLang="zh-CN" sz="2000" b="0" i="0" smtClean="0">
+                              <a:rPr lang="en-US" altLang="zh-CN" sz="2000" b="0" i="1" smtClean="0">
                                 <a:latin typeface="Cambria Math" panose="02040503050406030204" pitchFamily="18" charset="0"/>
                               </a:rPr>
                             </m:ctrlPr>
@@ -8731,7 +8760,7 @@
             </p:txBody>
           </p:sp>
         </mc:Choice>
-        <mc:Fallback>
+        <mc:Fallback xmlns="">
           <p:sp>
             <p:nvSpPr>
               <p:cNvPr id="6" name="文本框 5">
@@ -11361,8 +11390,8 @@
           </a:p>
         </p:txBody>
       </p:sp>
-      <mc:AlternateContent xmlns:mc="http://schemas.openxmlformats.org/markup-compatibility/2006">
-        <mc:Choice xmlns:a14="http://schemas.microsoft.com/office/drawing/2010/main" Requires="a14">
+      <mc:AlternateContent xmlns:mc="http://schemas.openxmlformats.org/markup-compatibility/2006" xmlns:a14="http://schemas.microsoft.com/office/drawing/2010/main">
+        <mc:Choice Requires="a14">
           <p:sp>
             <p:nvSpPr>
               <p:cNvPr id="8" name="文本框 7">
@@ -11452,7 +11481,7 @@
                     <m:f>
                       <m:fPr>
                         <m:ctrlPr>
-                          <a:rPr lang="en-US" altLang="zh-CN" sz="2000" b="0" i="0" smtClean="0">
+                          <a:rPr lang="en-US" altLang="zh-CN" sz="2000" b="0" i="1" smtClean="0">
                             <a:latin typeface="Cambria Math" panose="02040503050406030204" pitchFamily="18" charset="0"/>
                           </a:rPr>
                         </m:ctrlPr>
@@ -11568,20 +11597,17 @@
                         <m:d>
                           <m:dPr>
                             <m:ctrlPr>
-                              <a:rPr lang="en-US" altLang="zh-CN" sz="2000" b="0" i="0" smtClean="0">
+                              <a:rPr lang="en-US" altLang="zh-CN" sz="2000" b="0" i="1" smtClean="0">
                                 <a:latin typeface="Cambria Math" panose="02040503050406030204" pitchFamily="18" charset="0"/>
                               </a:rPr>
                             </m:ctrlPr>
                           </m:dPr>
                           <m:e>
                             <m:r>
-                              <m:rPr>
-                                <m:sty m:val="p"/>
-                              </m:rPr>
-                              <a:rPr lang="en-US" altLang="zh-CN" sz="2000" b="0" i="0" smtClean="0">
+                              <a:rPr lang="en-US" altLang="zh-CN" sz="2000" b="0" i="1" smtClean="0">
                                 <a:latin typeface="Cambria Math" panose="02040503050406030204" pitchFamily="18" charset="0"/>
                               </a:rPr>
-                              <m:t>w</m:t>
+                              <m:t>𝑤</m:t>
                             </m:r>
                           </m:e>
                           <m:e>
@@ -11667,7 +11693,7 @@
             </p:txBody>
           </p:sp>
         </mc:Choice>
-        <mc:Fallback>
+        <mc:Fallback xmlns="">
           <p:sp>
             <p:nvSpPr>
               <p:cNvPr id="8" name="文本框 7">
@@ -13096,7 +13122,7 @@
                 <a:latin typeface="微软雅黑" panose="020B0503020204020204" pitchFamily="34" charset="-122"/>
                 <a:ea typeface="微软雅黑" panose="020B0503020204020204" pitchFamily="34" charset="-122"/>
               </a:rPr>
-              <a:t>推荐的学习资料</a:t>
+              <a:t>相关的学习资料</a:t>
             </a:r>
             <a:endParaRPr lang="en-US" altLang="zh-CN" sz="3600" dirty="0">
               <a:latin typeface="微软雅黑" panose="020B0503020204020204" pitchFamily="34" charset="-122"/>
